--- a/figures/wienernet.pptx
+++ b/figures/wienernet.pptx
@@ -197,7 +197,7 @@
           <a:p>
             <a:fld id="{937B7407-F778-7048-9B08-DF870E387F6B}" type="datetimeFigureOut">
               <a:rPr kumimoji="1" lang="zh-CN" altLang="en-US" smtClean="0"/>
-              <a:t>2023/6/5</a:t>
+              <a:t>2023/11/25</a:t>
             </a:fld>
             <a:endParaRPr kumimoji="1" lang="zh-CN" altLang="en-US"/>
           </a:p>
@@ -684,7 +684,7 @@
           <a:p>
             <a:fld id="{43154C27-DF14-C749-8275-2CAAA9F43E1D}" type="datetimeFigureOut">
               <a:rPr kumimoji="1" lang="zh-CN" altLang="en-US" smtClean="0"/>
-              <a:t>2023/6/5</a:t>
+              <a:t>2023/11/25</a:t>
             </a:fld>
             <a:endParaRPr kumimoji="1" lang="zh-CN" altLang="en-US"/>
           </a:p>
@@ -854,7 +854,7 @@
           <a:p>
             <a:fld id="{43154C27-DF14-C749-8275-2CAAA9F43E1D}" type="datetimeFigureOut">
               <a:rPr kumimoji="1" lang="zh-CN" altLang="en-US" smtClean="0"/>
-              <a:t>2023/6/5</a:t>
+              <a:t>2023/11/25</a:t>
             </a:fld>
             <a:endParaRPr kumimoji="1" lang="zh-CN" altLang="en-US"/>
           </a:p>
@@ -1034,7 +1034,7 @@
           <a:p>
             <a:fld id="{43154C27-DF14-C749-8275-2CAAA9F43E1D}" type="datetimeFigureOut">
               <a:rPr kumimoji="1" lang="zh-CN" altLang="en-US" smtClean="0"/>
-              <a:t>2023/6/5</a:t>
+              <a:t>2023/11/25</a:t>
             </a:fld>
             <a:endParaRPr kumimoji="1" lang="zh-CN" altLang="en-US"/>
           </a:p>
@@ -1204,7 +1204,7 @@
           <a:p>
             <a:fld id="{43154C27-DF14-C749-8275-2CAAA9F43E1D}" type="datetimeFigureOut">
               <a:rPr kumimoji="1" lang="zh-CN" altLang="en-US" smtClean="0"/>
-              <a:t>2023/6/5</a:t>
+              <a:t>2023/11/25</a:t>
             </a:fld>
             <a:endParaRPr kumimoji="1" lang="zh-CN" altLang="en-US"/>
           </a:p>
@@ -1450,7 +1450,7 @@
           <a:p>
             <a:fld id="{43154C27-DF14-C749-8275-2CAAA9F43E1D}" type="datetimeFigureOut">
               <a:rPr kumimoji="1" lang="zh-CN" altLang="en-US" smtClean="0"/>
-              <a:t>2023/6/5</a:t>
+              <a:t>2023/11/25</a:t>
             </a:fld>
             <a:endParaRPr kumimoji="1" lang="zh-CN" altLang="en-US"/>
           </a:p>
@@ -1682,7 +1682,7 @@
           <a:p>
             <a:fld id="{43154C27-DF14-C749-8275-2CAAA9F43E1D}" type="datetimeFigureOut">
               <a:rPr kumimoji="1" lang="zh-CN" altLang="en-US" smtClean="0"/>
-              <a:t>2023/6/5</a:t>
+              <a:t>2023/11/25</a:t>
             </a:fld>
             <a:endParaRPr kumimoji="1" lang="zh-CN" altLang="en-US"/>
           </a:p>
@@ -2049,7 +2049,7 @@
           <a:p>
             <a:fld id="{43154C27-DF14-C749-8275-2CAAA9F43E1D}" type="datetimeFigureOut">
               <a:rPr kumimoji="1" lang="zh-CN" altLang="en-US" smtClean="0"/>
-              <a:t>2023/6/5</a:t>
+              <a:t>2023/11/25</a:t>
             </a:fld>
             <a:endParaRPr kumimoji="1" lang="zh-CN" altLang="en-US"/>
           </a:p>
@@ -2167,7 +2167,7 @@
           <a:p>
             <a:fld id="{43154C27-DF14-C749-8275-2CAAA9F43E1D}" type="datetimeFigureOut">
               <a:rPr kumimoji="1" lang="zh-CN" altLang="en-US" smtClean="0"/>
-              <a:t>2023/6/5</a:t>
+              <a:t>2023/11/25</a:t>
             </a:fld>
             <a:endParaRPr kumimoji="1" lang="zh-CN" altLang="en-US"/>
           </a:p>
@@ -2262,7 +2262,7 @@
           <a:p>
             <a:fld id="{43154C27-DF14-C749-8275-2CAAA9F43E1D}" type="datetimeFigureOut">
               <a:rPr kumimoji="1" lang="zh-CN" altLang="en-US" smtClean="0"/>
-              <a:t>2023/6/5</a:t>
+              <a:t>2023/11/25</a:t>
             </a:fld>
             <a:endParaRPr kumimoji="1" lang="zh-CN" altLang="en-US"/>
           </a:p>
@@ -2539,7 +2539,7 @@
           <a:p>
             <a:fld id="{43154C27-DF14-C749-8275-2CAAA9F43E1D}" type="datetimeFigureOut">
               <a:rPr kumimoji="1" lang="zh-CN" altLang="en-US" smtClean="0"/>
-              <a:t>2023/6/5</a:t>
+              <a:t>2023/11/25</a:t>
             </a:fld>
             <a:endParaRPr kumimoji="1" lang="zh-CN" altLang="en-US"/>
           </a:p>
@@ -2796,7 +2796,7 @@
           <a:p>
             <a:fld id="{43154C27-DF14-C749-8275-2CAAA9F43E1D}" type="datetimeFigureOut">
               <a:rPr kumimoji="1" lang="zh-CN" altLang="en-US" smtClean="0"/>
-              <a:t>2023/6/5</a:t>
+              <a:t>2023/11/25</a:t>
             </a:fld>
             <a:endParaRPr kumimoji="1" lang="zh-CN" altLang="en-US"/>
           </a:p>
@@ -3009,7 +3009,7 @@
           <a:p>
             <a:fld id="{43154C27-DF14-C749-8275-2CAAA9F43E1D}" type="datetimeFigureOut">
               <a:rPr kumimoji="1" lang="zh-CN" altLang="en-US" smtClean="0"/>
-              <a:t>2023/6/5</a:t>
+              <a:t>2023/11/25</a:t>
             </a:fld>
             <a:endParaRPr kumimoji="1" lang="zh-CN" altLang="en-US"/>
           </a:p>
@@ -3612,7 +3612,7 @@
         </p:nvSpPr>
         <p:spPr>
           <a:xfrm>
-            <a:off x="227818" y="3422959"/>
+            <a:off x="227817" y="3390623"/>
             <a:ext cx="1226580" cy="389215"/>
           </a:xfrm>
           <a:prstGeom prst="rect">
@@ -3656,8 +3656,8 @@
         </p:blipFill>
         <p:spPr>
           <a:xfrm>
-            <a:off x="173666" y="169539"/>
-            <a:ext cx="1341302" cy="1341302"/>
+            <a:off x="124967" y="152850"/>
+            <a:ext cx="1385146" cy="1381708"/>
           </a:xfrm>
           <a:prstGeom prst="rect">
             <a:avLst/>
@@ -3825,7 +3825,19 @@
                 </a:solidFill>
                 <a:cs typeface="Menlo" panose="020B0609030804020204" pitchFamily="49" charset="0"/>
               </a:rPr>
-              <a:t>Denoising Network</a:t>
+              <a:t>Denoising</a:t>
+            </a:r>
+          </a:p>
+          <a:p>
+            <a:pPr algn="ctr"/>
+            <a:r>
+              <a:rPr kumimoji="1" lang="en-US" altLang="zh-CN" sz="1950" b="1" dirty="0">
+                <a:solidFill>
+                  <a:schemeClr val="tx1"/>
+                </a:solidFill>
+                <a:cs typeface="Menlo" panose="020B0609030804020204" pitchFamily="49" charset="0"/>
+              </a:rPr>
+              <a:t>Network</a:t>
             </a:r>
             <a:endParaRPr kumimoji="1" lang="zh-CN" altLang="en-US" sz="1950" b="1" dirty="0">
               <a:solidFill>
@@ -3920,12 +3932,12 @@
         </p:nvCxnSpPr>
         <p:spPr>
           <a:xfrm>
-            <a:off x="1514968" y="840190"/>
-            <a:ext cx="679238" cy="948223"/>
+            <a:off x="1510113" y="843704"/>
+            <a:ext cx="684093" cy="944709"/>
           </a:xfrm>
           <a:prstGeom prst="bentConnector3">
             <a:avLst>
-              <a:gd name="adj1" fmla="val 42133"/>
+              <a:gd name="adj1" fmla="val 43399"/>
             </a:avLst>
           </a:prstGeom>
           <a:ln w="38100">
